--- a/documentGetEelemntByID/getElementByID.pptx
+++ b/documentGetEelemntByID/getElementByID.pptx
@@ -5,7 +5,7 @@
     <p:sldMasterId id="2147483745" r:id="rId1"/>
   </p:sldMasterIdLst>
   <p:notesMasterIdLst>
-    <p:notesMasterId r:id="rId15"/>
+    <p:notesMasterId r:id="rId14"/>
   </p:notesMasterIdLst>
   <p:sldIdLst>
     <p:sldId id="384" r:id="rId2"/>
@@ -17,10 +17,9 @@
     <p:sldId id="401" r:id="rId8"/>
     <p:sldId id="402" r:id="rId9"/>
     <p:sldId id="378" r:id="rId10"/>
-    <p:sldId id="383" r:id="rId11"/>
-    <p:sldId id="382" r:id="rId12"/>
-    <p:sldId id="379" r:id="rId13"/>
-    <p:sldId id="381" r:id="rId14"/>
+    <p:sldId id="382" r:id="rId11"/>
+    <p:sldId id="379" r:id="rId12"/>
+    <p:sldId id="381" r:id="rId13"/>
   </p:sldIdLst>
   <p:sldSz cx="9144000" cy="6858000" type="screen4x3"/>
   <p:notesSz cx="6858000" cy="9144000"/>
@@ -250,7 +249,7 @@
               <a:pPr>
                 <a:defRPr/>
               </a:pPr>
-              <a:t>2019/3/11</a:t>
+              <a:t>2019/3/18</a:t>
             </a:fld>
             <a:endParaRPr lang="zh-TW" altLang="en-US"/>
           </a:p>
@@ -1679,7 +1678,7 @@
                   <a:spcPct val="0"/>
                 </a:spcBef>
               </a:pPr>
-              <a:t>11</a:t>
+              <a:t>10</a:t>
             </a:fld>
             <a:endParaRPr lang="zh-TW" altLang="en-US" smtClean="0">
               <a:latin typeface="Arial" charset="0"/>
@@ -1962,7 +1961,7 @@
                   <a:spcPct val="0"/>
                 </a:spcBef>
               </a:pPr>
-              <a:t>12</a:t>
+              <a:t>11</a:t>
             </a:fld>
             <a:endParaRPr lang="zh-TW" altLang="en-US" smtClean="0">
               <a:latin typeface="Arial" charset="0"/>
@@ -2245,7 +2244,7 @@
                   <a:spcPct val="0"/>
                 </a:spcBef>
               </a:pPr>
-              <a:t>13</a:t>
+              <a:t>12</a:t>
             </a:fld>
             <a:endParaRPr lang="zh-TW" altLang="en-US" smtClean="0">
               <a:latin typeface="Arial" charset="0"/>
@@ -5766,75 +5765,6 @@
       </p:grpSpPr>
       <p:sp>
         <p:nvSpPr>
-          <p:cNvPr id="2" name="標題 1"/>
-          <p:cNvSpPr>
-            <a:spLocks noGrp="1"/>
-          </p:cNvSpPr>
-          <p:nvPr>
-            <p:ph type="title"/>
-          </p:nvPr>
-        </p:nvSpPr>
-        <p:spPr/>
-        <p:txBody>
-          <a:bodyPr/>
-          <a:lstStyle/>
-          <a:p>
-            <a:endParaRPr lang="zh-TW" altLang="en-US"/>
-          </a:p>
-        </p:txBody>
-      </p:sp>
-      <p:sp>
-        <p:nvSpPr>
-          <p:cNvPr id="3" name="內容版面配置區 2"/>
-          <p:cNvSpPr>
-            <a:spLocks noGrp="1"/>
-          </p:cNvSpPr>
-          <p:nvPr>
-            <p:ph idx="1"/>
-          </p:nvPr>
-        </p:nvSpPr>
-        <p:spPr/>
-        <p:txBody>
-          <a:bodyPr/>
-          <a:lstStyle/>
-          <a:p>
-            <a:endParaRPr lang="zh-TW" altLang="en-US"/>
-          </a:p>
-        </p:txBody>
-      </p:sp>
-    </p:spTree>
-    <p:extLst>
-      <p:ext uri="{BB962C8B-B14F-4D97-AF65-F5344CB8AC3E}">
-        <p14:creationId xmlns:p14="http://schemas.microsoft.com/office/powerpoint/2010/main" val="1220698295"/>
-      </p:ext>
-    </p:extLst>
-  </p:cSld>
-  <p:clrMapOvr>
-    <a:masterClrMapping/>
-  </p:clrMapOvr>
-  <p:transition/>
-</p:sld>
-</file>
-
-<file path=ppt/slides/slide11.xml><?xml version="1.0" encoding="utf-8"?>
-<p:sld xmlns:a="http://schemas.openxmlformats.org/drawingml/2006/main" xmlns:r="http://schemas.openxmlformats.org/officeDocument/2006/relationships" xmlns:p="http://schemas.openxmlformats.org/presentationml/2006/main">
-  <p:cSld>
-    <p:spTree>
-      <p:nvGrpSpPr>
-        <p:cNvPr id="1" name=""/>
-        <p:cNvGrpSpPr/>
-        <p:nvPr/>
-      </p:nvGrpSpPr>
-      <p:grpSpPr>
-        <a:xfrm>
-          <a:off x="0" y="0"/>
-          <a:ext cx="0" cy="0"/>
-          <a:chOff x="0" y="0"/>
-          <a:chExt cx="0" cy="0"/>
-        </a:xfrm>
-      </p:grpSpPr>
-      <p:sp>
-        <p:nvSpPr>
           <p:cNvPr id="4" name="標題 3"/>
           <p:cNvSpPr>
             <a:spLocks noGrp="1"/>
@@ -6011,63 +5941,163 @@
           <a:lstStyle/>
           <a:p>
             <a:r>
+              <a:rPr lang="en-US" altLang="zh-TW" dirty="0" err="1" smtClean="0"/>
+              <a:t>document.getElementById</a:t>
+            </a:r>
+            <a:r>
+              <a:rPr lang="en-US" altLang="zh-TW" dirty="0" smtClean="0"/>
+              <a:t>('</a:t>
+            </a:r>
+            <a:r>
+              <a:rPr lang="en-US" altLang="zh-TW" dirty="0" err="1" smtClean="0"/>
+              <a:t>TagID</a:t>
+            </a:r>
+            <a:r>
               <a:rPr lang="en-US" altLang="zh-TW" smtClean="0"/>
-              <a:t>document.getElementById(‘TagID’) :</a:t>
-            </a:r>
-            <a:r>
-              <a:rPr lang="zh-TW" altLang="en-US" smtClean="0"/>
+              <a:t>') </a:t>
+            </a:r>
+            <a:r>
+              <a:rPr lang="en-US" altLang="zh-TW" dirty="0" smtClean="0"/>
+              <a:t>:</a:t>
+            </a:r>
+            <a:r>
+              <a:rPr lang="zh-TW" altLang="en-US" dirty="0" smtClean="0"/>
               <a:t>用來取得網頁中特定標籤</a:t>
             </a:r>
-            <a:endParaRPr lang="en-US" altLang="zh-TW" smtClean="0"/>
+            <a:endParaRPr lang="en-US" altLang="zh-TW" dirty="0" smtClean="0"/>
           </a:p>
           <a:p>
             <a:pPr lvl="1"/>
             <a:r>
-              <a:rPr lang="zh-TW" altLang="en-US" smtClean="0"/>
+              <a:rPr lang="zh-TW" altLang="en-US" dirty="0" smtClean="0"/>
               <a:t>範例</a:t>
             </a:r>
             <a:r>
-              <a:rPr lang="en-US" altLang="zh-TW" smtClean="0"/>
+              <a:rPr lang="en-US" altLang="zh-TW" dirty="0" smtClean="0"/>
               <a:t>:</a:t>
             </a:r>
             <a:r>
-              <a:rPr lang="zh-TW" altLang="en-US" smtClean="0"/>
+              <a:rPr lang="zh-TW" altLang="en-US" dirty="0" smtClean="0"/>
               <a:t> 取得及設定標籤特性</a:t>
             </a:r>
-            <a:endParaRPr lang="en-US" altLang="zh-TW" smtClean="0"/>
+            <a:endParaRPr lang="en-US" altLang="zh-TW" dirty="0" smtClean="0"/>
           </a:p>
           <a:p>
             <a:pPr lvl="2"/>
             <a:r>
-              <a:rPr lang="en-US" altLang="zh-TW" smtClean="0">
+              <a:rPr lang="en-US" altLang="zh-TW" dirty="0" smtClean="0">
                 <a:hlinkClick r:id="rId3"/>
               </a:rPr>
-              <a:t>https://www.w3schools.com/jsref/tryit.asp?filename=tryjsref_document_getelementbyid</a:t>
-            </a:r>
-            <a:endParaRPr lang="en-US" altLang="zh-TW" smtClean="0"/>
+              <a:t>https://</a:t>
+            </a:r>
+            <a:r>
+              <a:rPr lang="en-US" altLang="zh-TW" dirty="0" err="1" smtClean="0">
+                <a:hlinkClick r:id="rId3"/>
+              </a:rPr>
+              <a:t>www.w3schools.com</a:t>
+            </a:r>
+            <a:r>
+              <a:rPr lang="en-US" altLang="zh-TW" dirty="0" smtClean="0">
+                <a:hlinkClick r:id="rId3"/>
+              </a:rPr>
+              <a:t>/</a:t>
+            </a:r>
+            <a:r>
+              <a:rPr lang="en-US" altLang="zh-TW" dirty="0" err="1" smtClean="0">
+                <a:hlinkClick r:id="rId3"/>
+              </a:rPr>
+              <a:t>jsref</a:t>
+            </a:r>
+            <a:r>
+              <a:rPr lang="en-US" altLang="zh-TW" dirty="0" smtClean="0">
+                <a:hlinkClick r:id="rId3"/>
+              </a:rPr>
+              <a:t>/</a:t>
+            </a:r>
+            <a:r>
+              <a:rPr lang="en-US" altLang="zh-TW" dirty="0" err="1" smtClean="0">
+                <a:hlinkClick r:id="rId3"/>
+              </a:rPr>
+              <a:t>tryit.asp?filename</a:t>
+            </a:r>
+            <a:r>
+              <a:rPr lang="en-US" altLang="zh-TW" dirty="0" smtClean="0">
+                <a:hlinkClick r:id="rId3"/>
+              </a:rPr>
+              <a:t>=</a:t>
+            </a:r>
+            <a:r>
+              <a:rPr lang="en-US" altLang="zh-TW" dirty="0" err="1" smtClean="0">
+                <a:hlinkClick r:id="rId3"/>
+              </a:rPr>
+              <a:t>tryjsref_document_getelementbyid</a:t>
+            </a:r>
+            <a:endParaRPr lang="en-US" altLang="zh-TW" dirty="0" smtClean="0"/>
           </a:p>
           <a:p>
             <a:pPr lvl="2"/>
             <a:r>
-              <a:rPr lang="en-US" altLang="zh-TW" smtClean="0">
+              <a:rPr lang="en-US" altLang="zh-TW" dirty="0" smtClean="0">
                 <a:hlinkClick r:id="rId4"/>
               </a:rPr>
-              <a:t>https://www.w3schools.com/jsref/tryit.asp?filename=tryjsref_document_getelementbyid2</a:t>
-            </a:r>
-            <a:endParaRPr lang="en-US" altLang="zh-TW" smtClean="0"/>
-          </a:p>
-          <a:p>
-            <a:endParaRPr lang="en-US" altLang="zh-TW" smtClean="0"/>
-          </a:p>
-          <a:p>
-            <a:endParaRPr lang="en-US" altLang="zh-TW" smtClean="0"/>
+              <a:t>https://</a:t>
+            </a:r>
+            <a:r>
+              <a:rPr lang="en-US" altLang="zh-TW" dirty="0" err="1" smtClean="0">
+                <a:hlinkClick r:id="rId4"/>
+              </a:rPr>
+              <a:t>www.w3schools.com</a:t>
+            </a:r>
+            <a:r>
+              <a:rPr lang="en-US" altLang="zh-TW" dirty="0" smtClean="0">
+                <a:hlinkClick r:id="rId4"/>
+              </a:rPr>
+              <a:t>/</a:t>
+            </a:r>
+            <a:r>
+              <a:rPr lang="en-US" altLang="zh-TW" dirty="0" err="1" smtClean="0">
+                <a:hlinkClick r:id="rId4"/>
+              </a:rPr>
+              <a:t>jsref</a:t>
+            </a:r>
+            <a:r>
+              <a:rPr lang="en-US" altLang="zh-TW" dirty="0" smtClean="0">
+                <a:hlinkClick r:id="rId4"/>
+              </a:rPr>
+              <a:t>/</a:t>
+            </a:r>
+            <a:r>
+              <a:rPr lang="en-US" altLang="zh-TW" dirty="0" err="1" smtClean="0">
+                <a:hlinkClick r:id="rId4"/>
+              </a:rPr>
+              <a:t>tryit.asp?filename</a:t>
+            </a:r>
+            <a:r>
+              <a:rPr lang="en-US" altLang="zh-TW" dirty="0" smtClean="0">
+                <a:hlinkClick r:id="rId4"/>
+              </a:rPr>
+              <a:t>=</a:t>
+            </a:r>
+            <a:r>
+              <a:rPr lang="en-US" altLang="zh-TW" dirty="0" err="1" smtClean="0">
+                <a:hlinkClick r:id="rId4"/>
+              </a:rPr>
+              <a:t>tryjsref_document_getelementbyid2</a:t>
+            </a:r>
+            <a:endParaRPr lang="en-US" altLang="zh-TW" dirty="0" smtClean="0"/>
+          </a:p>
+          <a:p>
+            <a:endParaRPr lang="en-US" altLang="zh-TW" dirty="0" smtClean="0"/>
+          </a:p>
+          <a:p>
+            <a:endParaRPr lang="en-US" altLang="zh-TW" dirty="0" smtClean="0"/>
           </a:p>
           <a:p>
             <a:pPr lvl="1"/>
-            <a:endParaRPr lang="en-US" altLang="zh-TW" smtClean="0"/>
-          </a:p>
-          <a:p>
-            <a:endParaRPr lang="en-US" altLang="zh-TW" smtClean="0"/>
+            <a:endParaRPr lang="en-US" altLang="zh-TW" dirty="0" smtClean="0"/>
+          </a:p>
+          <a:p>
+            <a:endParaRPr lang="en-US" altLang="zh-TW" dirty="0" smtClean="0"/>
           </a:p>
         </p:txBody>
       </p:sp>
@@ -6087,7 +6117,7 @@
 </p:sld>
 </file>
 
-<file path=ppt/slides/slide12.xml><?xml version="1.0" encoding="utf-8"?>
+<file path=ppt/slides/slide11.xml><?xml version="1.0" encoding="utf-8"?>
 <p:sld xmlns:a="http://schemas.openxmlformats.org/drawingml/2006/main" xmlns:r="http://schemas.openxmlformats.org/officeDocument/2006/relationships" xmlns:p="http://schemas.openxmlformats.org/presentationml/2006/main">
   <p:cSld>
     <p:spTree>
@@ -6562,7 +6592,7 @@
 </p:sld>
 </file>
 
-<file path=ppt/slides/slide13.xml><?xml version="1.0" encoding="utf-8"?>
+<file path=ppt/slides/slide12.xml><?xml version="1.0" encoding="utf-8"?>
 <p:sld xmlns:a="http://schemas.openxmlformats.org/drawingml/2006/main" xmlns:r="http://schemas.openxmlformats.org/officeDocument/2006/relationships" xmlns:p="http://schemas.openxmlformats.org/presentationml/2006/main">
   <p:cSld>
     <p:spTree>
@@ -8324,52 +8354,7 @@
                   <a:reflection blurRad="12700" stA="28000" endPos="45000" dist="1000" dir="5400000" sy="-100000" algn="bl" rotWithShape="0"/>
                 </a:effectLst>
               </a:rPr>
-              <a:t> 常見</a:t>
-            </a:r>
-            <a:r>
-              <a:rPr lang="zh-TW" altLang="en-US" b="1" cap="all" dirty="0" smtClean="0">
-                <a:ln w="9000" cmpd="sng">
-                  <a:solidFill>
-                    <a:schemeClr val="accent4">
-                      <a:shade val="50000"/>
-                      <a:satMod val="120000"/>
-                    </a:schemeClr>
-                  </a:solidFill>
-                  <a:prstDash val="solid"/>
-                </a:ln>
-                <a:gradFill>
-                  <a:gsLst>
-                    <a:gs pos="0">
-                      <a:schemeClr val="accent4">
-                        <a:shade val="20000"/>
-                        <a:satMod val="245000"/>
-                      </a:schemeClr>
-                    </a:gs>
-                    <a:gs pos="43000">
-                      <a:schemeClr val="accent4">
-                        <a:satMod val="255000"/>
-                      </a:schemeClr>
-                    </a:gs>
-                    <a:gs pos="48000">
-                      <a:schemeClr val="accent4">
-                        <a:shade val="85000"/>
-                        <a:satMod val="255000"/>
-                      </a:schemeClr>
-                    </a:gs>
-                    <a:gs pos="100000">
-                      <a:schemeClr val="accent4">
-                        <a:shade val="20000"/>
-                        <a:satMod val="245000"/>
-                      </a:schemeClr>
-                    </a:gs>
-                  </a:gsLst>
-                  <a:lin ang="5400000"/>
-                </a:gradFill>
-                <a:effectLst>
-                  <a:reflection blurRad="12700" stA="28000" endPos="45000" dist="1000" dir="5400000" sy="-100000" algn="bl" rotWithShape="0"/>
-                </a:effectLst>
-              </a:rPr>
-              <a:t>的</a:t>
+              <a:t> 常見的</a:t>
             </a:r>
             <a:r>
               <a:rPr lang="en-US" altLang="zh-TW" b="1" cap="all" dirty="0" err="1" smtClean="0">
@@ -8550,11 +8535,7 @@
             </a:pPr>
             <a:r>
               <a:rPr lang="zh-TW" altLang="en-US" b="1" dirty="0" smtClean="0"/>
-              <a:t>指定要抓取的網頁</a:t>
-            </a:r>
-            <a:r>
-              <a:rPr lang="zh-TW" altLang="en-US" b="1" dirty="0" smtClean="0"/>
-              <a:t>標籤 </a:t>
+              <a:t>指定要抓取的網頁標籤 </a:t>
             </a:r>
             <a:r>
               <a:rPr lang="en-US" altLang="zh-TW" b="1" dirty="0" smtClean="0"/>
@@ -8576,7 +8557,6 @@
               <a:rPr lang="en-US" altLang="zh-TW" b="1" dirty="0" smtClean="0"/>
               <a:t>"</a:t>
             </a:r>
-            <a:endParaRPr lang="en-US" altLang="zh-TW" b="1" dirty="0" smtClean="0"/>
           </a:p>
           <a:p>
             <a:pPr lvl="1">
@@ -8585,11 +8565,7 @@
             </a:pPr>
             <a:r>
               <a:rPr lang="zh-TW" altLang="en-US" b="1" dirty="0" smtClean="0"/>
-              <a:t>設定標籤觸發</a:t>
-            </a:r>
-            <a:r>
-              <a:rPr lang="zh-TW" altLang="en-US" b="1" dirty="0" smtClean="0"/>
-              <a:t>事件，如在 </a:t>
+              <a:t>設定標籤觸發事件，如在 </a:t>
             </a:r>
             <a:r>
               <a:rPr lang="en-US" altLang="zh-TW" b="1" dirty="0" smtClean="0"/>
@@ -8637,11 +8613,7 @@
             </a:pPr>
             <a:r>
               <a:rPr lang="zh-TW" altLang="en-US" b="1" dirty="0" smtClean="0"/>
-              <a:t>撰寫事件對應的函</a:t>
-            </a:r>
-            <a:r>
-              <a:rPr lang="zh-TW" altLang="en-US" b="1" dirty="0" smtClean="0"/>
-              <a:t>式，如</a:t>
+              <a:t>撰寫事件對應的函式，如</a:t>
             </a:r>
             <a:r>
               <a:rPr lang="en-US" altLang="zh-TW" b="1" dirty="0" smtClean="0"/>
@@ -8659,7 +8631,6 @@
               <a:rPr lang="en-US" altLang="zh-TW" b="1" dirty="0" smtClean="0"/>
               <a:t>()</a:t>
             </a:r>
-            <a:endParaRPr lang="en-US" altLang="zh-TW" b="1" dirty="0" smtClean="0"/>
           </a:p>
           <a:p>
             <a:pPr lvl="1">
@@ -8668,11 +8639,7 @@
             </a:pPr>
             <a:r>
               <a:rPr lang="zh-TW" altLang="en-US" b="1" dirty="0" smtClean="0"/>
-              <a:t>在函式當中指定或改變標籤</a:t>
-            </a:r>
-            <a:r>
-              <a:rPr lang="zh-TW" altLang="en-US" b="1" dirty="0" smtClean="0"/>
-              <a:t>內容，如</a:t>
+              <a:t>在函式當中指定或改變標籤內容，如</a:t>
             </a:r>
             <a:r>
               <a:rPr lang="en-US" altLang="zh-TW" b="1" dirty="0" smtClean="0"/>
